--- a/Design-document-presentation.pptx
+++ b/Design-document-presentation.pptx
@@ -8,10 +8,14 @@
     <p:sldId id="256" r:id="rId2"/>
     <p:sldId id="257" r:id="rId3"/>
     <p:sldId id="258" r:id="rId4"/>
-    <p:sldId id="259" r:id="rId5"/>
-    <p:sldId id="260" r:id="rId6"/>
-    <p:sldId id="261" r:id="rId7"/>
-    <p:sldId id="262" r:id="rId8"/>
+    <p:sldId id="266" r:id="rId5"/>
+    <p:sldId id="267" r:id="rId6"/>
+    <p:sldId id="259" r:id="rId7"/>
+    <p:sldId id="261" r:id="rId8"/>
+    <p:sldId id="263" r:id="rId9"/>
+    <p:sldId id="264" r:id="rId10"/>
+    <p:sldId id="265" r:id="rId11"/>
+    <p:sldId id="262" r:id="rId12"/>
   </p:sldIdLst>
   <p:sldSz cx="12192000" cy="6858000"/>
   <p:notesSz cx="6858000" cy="9144000"/>
@@ -110,6 +114,11 @@
       </a:defRPr>
     </a:lvl9pPr>
   </p:defaultTextStyle>
+  <p:extLst>
+    <p:ext uri="{EFAFB233-063F-42B5-8137-9DF3F51BA10A}">
+      <p15:sldGuideLst xmlns:p15="http://schemas.microsoft.com/office/powerpoint/2012/main"/>
+    </p:ext>
+  </p:extLst>
 </p:presentation>
 </file>
 
@@ -5121,6 +5130,579 @@
 </p:sld>
 </file>
 
+<file path=ppt/slides/slide10.xml><?xml version="1.0" encoding="utf-8"?>
+<p:sld xmlns:a="http://schemas.openxmlformats.org/drawingml/2006/main" xmlns:r="http://schemas.openxmlformats.org/officeDocument/2006/relationships" xmlns:p="http://schemas.openxmlformats.org/presentationml/2006/main">
+  <p:cSld>
+    <p:spTree>
+      <p:nvGrpSpPr>
+        <p:cNvPr id="1" name=""/>
+        <p:cNvGrpSpPr/>
+        <p:nvPr/>
+      </p:nvGrpSpPr>
+      <p:grpSpPr>
+        <a:xfrm>
+          <a:off x="0" y="0"/>
+          <a:ext cx="0" cy="0"/>
+          <a:chOff x="0" y="0"/>
+          <a:chExt cx="0" cy="0"/>
+        </a:xfrm>
+      </p:grpSpPr>
+      <p:sp>
+        <p:nvSpPr>
+          <p:cNvPr id="2" name="Tittel 1">
+            <a:extLst>
+              <a:ext uri="{FF2B5EF4-FFF2-40B4-BE49-F238E27FC236}">
+                <a16:creationId xmlns:a16="http://schemas.microsoft.com/office/drawing/2014/main" id="{EC1F0FEB-74C1-92D9-6787-BE43F396F15B}"/>
+              </a:ext>
+            </a:extLst>
+          </p:cNvPr>
+          <p:cNvSpPr>
+            <a:spLocks noGrp="1"/>
+          </p:cNvSpPr>
+          <p:nvPr>
+            <p:ph type="title"/>
+          </p:nvPr>
+        </p:nvSpPr>
+        <p:spPr>
+          <a:xfrm>
+            <a:off x="795014" y="272759"/>
+            <a:ext cx="10094770" cy="1180574"/>
+          </a:xfrm>
+        </p:spPr>
+        <p:txBody>
+          <a:bodyPr/>
+          <a:lstStyle/>
+          <a:p>
+            <a:r>
+              <a:rPr lang="nb-NO" dirty="0" err="1">
+                <a:latin typeface="Berlin Sans FB" panose="020E0602020502020306" pitchFamily="34" charset="77"/>
+              </a:rPr>
+              <a:t>Mock</a:t>
+            </a:r>
+            <a:r>
+              <a:rPr lang="nb-NO" dirty="0">
+                <a:latin typeface="Berlin Sans FB" panose="020E0602020502020306" pitchFamily="34" charset="77"/>
+              </a:rPr>
+              <a:t>-up </a:t>
+            </a:r>
+            <a:r>
+              <a:rPr lang="nb-NO" dirty="0" err="1">
+                <a:latin typeface="Berlin Sans FB" panose="020E0602020502020306" pitchFamily="34" charset="77"/>
+              </a:rPr>
+              <a:t>user</a:t>
+            </a:r>
+            <a:r>
+              <a:rPr lang="nb-NO" dirty="0">
+                <a:latin typeface="Berlin Sans FB" panose="020E0602020502020306" pitchFamily="34" charset="77"/>
+              </a:rPr>
+              <a:t> screens</a:t>
+            </a:r>
+          </a:p>
+        </p:txBody>
+      </p:sp>
+      <p:sp>
+        <p:nvSpPr>
+          <p:cNvPr id="5" name="Date Placeholder 6">
+            <a:extLst>
+              <a:ext uri="{FF2B5EF4-FFF2-40B4-BE49-F238E27FC236}">
+                <a16:creationId xmlns:a16="http://schemas.microsoft.com/office/drawing/2014/main" id="{B162296C-15C7-667F-7987-D1A7186350BC}"/>
+              </a:ext>
+            </a:extLst>
+          </p:cNvPr>
+          <p:cNvSpPr>
+            <a:spLocks noGrp="1"/>
+          </p:cNvSpPr>
+          <p:nvPr>
+            <p:ph type="dt" sz="half" idx="10"/>
+          </p:nvPr>
+        </p:nvSpPr>
+        <p:spPr>
+          <a:xfrm>
+            <a:off x="795014" y="6342042"/>
+            <a:ext cx="2743200" cy="365125"/>
+          </a:xfrm>
+        </p:spPr>
+        <p:txBody>
+          <a:bodyPr/>
+          <a:lstStyle/>
+          <a:p>
+            <a:pPr>
+              <a:spcAft>
+                <a:spcPts val="600"/>
+              </a:spcAft>
+            </a:pPr>
+            <a:fld id="{C4BD803F-B192-4797-B35D-A6564FE54930}" type="datetime1">
+              <a:rPr lang="en-US" smtClean="0"/>
+              <a:pPr>
+                <a:spcAft>
+                  <a:spcPts val="600"/>
+                </a:spcAft>
+              </a:pPr>
+              <a:t>9/18/23</a:t>
+            </a:fld>
+            <a:endParaRPr lang="en-US" dirty="0"/>
+          </a:p>
+        </p:txBody>
+      </p:sp>
+      <p:sp>
+        <p:nvSpPr>
+          <p:cNvPr id="6" name="Slide Number Placeholder 5">
+            <a:extLst>
+              <a:ext uri="{FF2B5EF4-FFF2-40B4-BE49-F238E27FC236}">
+                <a16:creationId xmlns:a16="http://schemas.microsoft.com/office/drawing/2014/main" id="{C3F224AC-03C2-D209-7A20-84027D30F750}"/>
+              </a:ext>
+            </a:extLst>
+          </p:cNvPr>
+          <p:cNvSpPr>
+            <a:spLocks noGrp="1"/>
+          </p:cNvSpPr>
+          <p:nvPr>
+            <p:ph type="sldNum" sz="quarter" idx="12"/>
+          </p:nvPr>
+        </p:nvSpPr>
+        <p:spPr>
+          <a:xfrm>
+            <a:off x="11166329" y="6342042"/>
+            <a:ext cx="526228" cy="365125"/>
+          </a:xfrm>
+        </p:spPr>
+        <p:txBody>
+          <a:bodyPr/>
+          <a:lstStyle/>
+          <a:p>
+            <a:pPr>
+              <a:spcAft>
+                <a:spcPts val="600"/>
+              </a:spcAft>
+            </a:pPr>
+            <a:fld id="{1B0A0659-E443-491A-A36E-EC2EE49C5850}" type="slidenum">
+              <a:rPr lang="en-US" smtClean="0"/>
+              <a:pPr>
+                <a:spcAft>
+                  <a:spcPts val="600"/>
+                </a:spcAft>
+              </a:pPr>
+              <a:t>10</a:t>
+            </a:fld>
+            <a:endParaRPr lang="en-US"/>
+          </a:p>
+        </p:txBody>
+      </p:sp>
+      <p:pic>
+        <p:nvPicPr>
+          <p:cNvPr id="7" name="Bilde 6" descr="Et bilde som inneholder tekst, logo, symbol, Font&#10;&#10;Automatisk generert beskrivelse">
+            <a:extLst>
+              <a:ext uri="{FF2B5EF4-FFF2-40B4-BE49-F238E27FC236}">
+                <a16:creationId xmlns:a16="http://schemas.microsoft.com/office/drawing/2014/main" id="{BF0F5778-C054-AEE5-2B73-49802A133FC4}"/>
+              </a:ext>
+            </a:extLst>
+          </p:cNvPr>
+          <p:cNvPicPr>
+            <a:picLocks noChangeAspect="1"/>
+          </p:cNvPicPr>
+          <p:nvPr/>
+        </p:nvPicPr>
+        <p:blipFill rotWithShape="1">
+          <a:blip r:embed="rId2">
+            <a:grayscl/>
+          </a:blip>
+          <a:srcRect l="15442" t="15982" r="7112" b="28984"/>
+          <a:stretch/>
+        </p:blipFill>
+        <p:spPr>
+          <a:xfrm>
+            <a:off x="1593504" y="5642390"/>
+            <a:ext cx="865940" cy="882214"/>
+          </a:xfrm>
+          <a:custGeom>
+            <a:avLst/>
+            <a:gdLst/>
+            <a:ahLst/>
+            <a:cxnLst/>
+            <a:rect l="l" t="t" r="r" b="b"/>
+            <a:pathLst>
+              <a:path w="2093843" h="1948070">
+                <a:moveTo>
+                  <a:pt x="0" y="0"/>
+                </a:moveTo>
+                <a:lnTo>
+                  <a:pt x="2093843" y="0"/>
+                </a:lnTo>
+                <a:lnTo>
+                  <a:pt x="2093843" y="1948070"/>
+                </a:lnTo>
+                <a:lnTo>
+                  <a:pt x="0" y="1948070"/>
+                </a:lnTo>
+                <a:close/>
+              </a:path>
+            </a:pathLst>
+          </a:custGeom>
+          <a:effectLst>
+            <a:outerShdw dist="165100" dir="2700000" algn="tl" rotWithShape="0">
+              <a:schemeClr val="tx1"/>
+            </a:outerShdw>
+          </a:effectLst>
+        </p:spPr>
+      </p:pic>
+      <p:pic>
+        <p:nvPicPr>
+          <p:cNvPr id="8" name="Bilde 7" descr="Et bilde som inneholder tekst, skjermbilde, programvare, multimedia&#10;&#10;Automatisk generert beskrivelse">
+            <a:extLst>
+              <a:ext uri="{FF2B5EF4-FFF2-40B4-BE49-F238E27FC236}">
+                <a16:creationId xmlns:a16="http://schemas.microsoft.com/office/drawing/2014/main" id="{0DDF2CB4-934E-44F3-8FC7-F67E3AC088C8}"/>
+              </a:ext>
+            </a:extLst>
+          </p:cNvPr>
+          <p:cNvPicPr>
+            <a:picLocks noChangeAspect="1"/>
+          </p:cNvPicPr>
+          <p:nvPr/>
+        </p:nvPicPr>
+        <p:blipFill>
+          <a:blip r:embed="rId3"/>
+          <a:stretch>
+            <a:fillRect/>
+          </a:stretch>
+        </p:blipFill>
+        <p:spPr>
+          <a:xfrm>
+            <a:off x="2706780" y="1588926"/>
+            <a:ext cx="6778440" cy="4935678"/>
+          </a:xfrm>
+          <a:prstGeom prst="rect">
+            <a:avLst/>
+          </a:prstGeom>
+        </p:spPr>
+      </p:pic>
+    </p:spTree>
+    <p:extLst>
+      <p:ext uri="{BB962C8B-B14F-4D97-AF65-F5344CB8AC3E}">
+        <p14:creationId xmlns:p14="http://schemas.microsoft.com/office/powerpoint/2010/main" val="763580773"/>
+      </p:ext>
+    </p:extLst>
+  </p:cSld>
+  <p:clrMapOvr>
+    <a:masterClrMapping/>
+  </p:clrMapOvr>
+</p:sld>
+</file>
+
+<file path=ppt/slides/slide11.xml><?xml version="1.0" encoding="utf-8"?>
+<p:sld xmlns:a="http://schemas.openxmlformats.org/drawingml/2006/main" xmlns:r="http://schemas.openxmlformats.org/officeDocument/2006/relationships" xmlns:p="http://schemas.openxmlformats.org/presentationml/2006/main">
+  <p:cSld>
+    <p:spTree>
+      <p:nvGrpSpPr>
+        <p:cNvPr id="1" name=""/>
+        <p:cNvGrpSpPr/>
+        <p:nvPr/>
+      </p:nvGrpSpPr>
+      <p:grpSpPr>
+        <a:xfrm>
+          <a:off x="0" y="0"/>
+          <a:ext cx="0" cy="0"/>
+          <a:chOff x="0" y="0"/>
+          <a:chExt cx="0" cy="0"/>
+        </a:xfrm>
+      </p:grpSpPr>
+      <p:sp>
+        <p:nvSpPr>
+          <p:cNvPr id="2" name="Tittel 1">
+            <a:extLst>
+              <a:ext uri="{FF2B5EF4-FFF2-40B4-BE49-F238E27FC236}">
+                <a16:creationId xmlns:a16="http://schemas.microsoft.com/office/drawing/2014/main" id="{9A98D8EF-FED4-F5CF-74C1-F4D938B7E06D}"/>
+              </a:ext>
+            </a:extLst>
+          </p:cNvPr>
+          <p:cNvSpPr>
+            <a:spLocks noGrp="1"/>
+          </p:cNvSpPr>
+          <p:nvPr>
+            <p:ph type="title"/>
+          </p:nvPr>
+        </p:nvSpPr>
+        <p:spPr/>
+        <p:txBody>
+          <a:bodyPr>
+            <a:normAutofit fontScale="90000"/>
+          </a:bodyPr>
+          <a:lstStyle/>
+          <a:p>
+            <a:r>
+              <a:rPr lang="nb-NO" dirty="0">
+                <a:latin typeface="Berlin Sans FB" panose="020E0602020502020306" pitchFamily="34" charset="77"/>
+              </a:rPr>
+              <a:t>System-</a:t>
+            </a:r>
+            <a:r>
+              <a:rPr lang="nb-NO" dirty="0" err="1">
+                <a:latin typeface="Berlin Sans FB" panose="020E0602020502020306" pitchFamily="34" charset="77"/>
+              </a:rPr>
+              <a:t>specific</a:t>
+            </a:r>
+            <a:r>
+              <a:rPr lang="nb-NO" dirty="0">
+                <a:latin typeface="Berlin Sans FB" panose="020E0602020502020306" pitchFamily="34" charset="77"/>
+              </a:rPr>
+              <a:t> </a:t>
+            </a:r>
+            <a:r>
+              <a:rPr lang="nb-NO" dirty="0" err="1">
+                <a:latin typeface="Berlin Sans FB" panose="020E0602020502020306" pitchFamily="34" charset="77"/>
+              </a:rPr>
+              <a:t>architectural</a:t>
+            </a:r>
+            <a:r>
+              <a:rPr lang="nb-NO" dirty="0">
+                <a:latin typeface="Berlin Sans FB" panose="020E0602020502020306" pitchFamily="34" charset="77"/>
+              </a:rPr>
+              <a:t> diagram</a:t>
+            </a:r>
+          </a:p>
+        </p:txBody>
+      </p:sp>
+      <p:sp>
+        <p:nvSpPr>
+          <p:cNvPr id="3" name="Date Placeholder 6">
+            <a:extLst>
+              <a:ext uri="{FF2B5EF4-FFF2-40B4-BE49-F238E27FC236}">
+                <a16:creationId xmlns:a16="http://schemas.microsoft.com/office/drawing/2014/main" id="{B35D3AE0-6D0B-5B14-EE09-EDD8BC16F740}"/>
+              </a:ext>
+            </a:extLst>
+          </p:cNvPr>
+          <p:cNvSpPr>
+            <a:spLocks noGrp="1"/>
+          </p:cNvSpPr>
+          <p:nvPr>
+            <p:ph type="dt" sz="half" idx="10"/>
+          </p:nvPr>
+        </p:nvSpPr>
+        <p:spPr>
+          <a:xfrm>
+            <a:off x="795014" y="6342042"/>
+            <a:ext cx="2743200" cy="365125"/>
+          </a:xfrm>
+        </p:spPr>
+        <p:txBody>
+          <a:bodyPr/>
+          <a:lstStyle/>
+          <a:p>
+            <a:pPr>
+              <a:spcAft>
+                <a:spcPts val="600"/>
+              </a:spcAft>
+            </a:pPr>
+            <a:fld id="{C4BD803F-B192-4797-B35D-A6564FE54930}" type="datetime1">
+              <a:rPr lang="en-US" smtClean="0"/>
+              <a:pPr>
+                <a:spcAft>
+                  <a:spcPts val="600"/>
+                </a:spcAft>
+              </a:pPr>
+              <a:t>9/18/23</a:t>
+            </a:fld>
+            <a:endParaRPr lang="en-US" dirty="0"/>
+          </a:p>
+        </p:txBody>
+      </p:sp>
+      <p:sp>
+        <p:nvSpPr>
+          <p:cNvPr id="4" name="Slide Number Placeholder 5">
+            <a:extLst>
+              <a:ext uri="{FF2B5EF4-FFF2-40B4-BE49-F238E27FC236}">
+                <a16:creationId xmlns:a16="http://schemas.microsoft.com/office/drawing/2014/main" id="{7647BC1E-24E1-4F4D-EBEB-3430C278AB10}"/>
+              </a:ext>
+            </a:extLst>
+          </p:cNvPr>
+          <p:cNvSpPr>
+            <a:spLocks noGrp="1"/>
+          </p:cNvSpPr>
+          <p:nvPr>
+            <p:ph type="sldNum" sz="quarter" idx="12"/>
+          </p:nvPr>
+        </p:nvSpPr>
+        <p:spPr>
+          <a:xfrm>
+            <a:off x="11166329" y="6342042"/>
+            <a:ext cx="526228" cy="365125"/>
+          </a:xfrm>
+        </p:spPr>
+        <p:txBody>
+          <a:bodyPr/>
+          <a:lstStyle/>
+          <a:p>
+            <a:pPr>
+              <a:spcAft>
+                <a:spcPts val="600"/>
+              </a:spcAft>
+            </a:pPr>
+            <a:fld id="{1B0A0659-E443-491A-A36E-EC2EE49C5850}" type="slidenum">
+              <a:rPr lang="en-US" smtClean="0"/>
+              <a:pPr>
+                <a:spcAft>
+                  <a:spcPts val="600"/>
+                </a:spcAft>
+              </a:pPr>
+              <a:t>11</a:t>
+            </a:fld>
+            <a:endParaRPr lang="en-US"/>
+          </a:p>
+        </p:txBody>
+      </p:sp>
+      <p:pic>
+        <p:nvPicPr>
+          <p:cNvPr id="6" name="Bilde 5" descr="Et bilde som inneholder tekst, diagram, skjermbilde, sirkel&#10;&#10;Automatisk generert beskrivelse">
+            <a:extLst>
+              <a:ext uri="{FF2B5EF4-FFF2-40B4-BE49-F238E27FC236}">
+                <a16:creationId xmlns:a16="http://schemas.microsoft.com/office/drawing/2014/main" id="{485EE84A-1D6D-88EB-2129-034F5D4C41A8}"/>
+              </a:ext>
+            </a:extLst>
+          </p:cNvPr>
+          <p:cNvPicPr>
+            <a:picLocks noChangeAspect="1"/>
+          </p:cNvPicPr>
+          <p:nvPr/>
+        </p:nvPicPr>
+        <p:blipFill>
+          <a:blip r:embed="rId2"/>
+          <a:stretch>
+            <a:fillRect/>
+          </a:stretch>
+        </p:blipFill>
+        <p:spPr>
+          <a:xfrm>
+            <a:off x="2011243" y="2272636"/>
+            <a:ext cx="8169514" cy="4207677"/>
+          </a:xfrm>
+          <a:prstGeom prst="rect">
+            <a:avLst/>
+          </a:prstGeom>
+        </p:spPr>
+      </p:pic>
+      <p:pic>
+        <p:nvPicPr>
+          <p:cNvPr id="7" name="Bilde 6" descr="Et bilde som inneholder tekst, logo, symbol, Font&#10;&#10;Automatisk generert beskrivelse">
+            <a:extLst>
+              <a:ext uri="{FF2B5EF4-FFF2-40B4-BE49-F238E27FC236}">
+                <a16:creationId xmlns:a16="http://schemas.microsoft.com/office/drawing/2014/main" id="{A7C9569B-49EC-919E-6402-FF434DCFB243}"/>
+              </a:ext>
+            </a:extLst>
+          </p:cNvPr>
+          <p:cNvPicPr>
+            <a:picLocks noChangeAspect="1"/>
+          </p:cNvPicPr>
+          <p:nvPr/>
+        </p:nvPicPr>
+        <p:blipFill rotWithShape="1">
+          <a:blip r:embed="rId3">
+            <a:grayscl/>
+          </a:blip>
+          <a:srcRect l="15442" t="15982" r="7112" b="28984"/>
+          <a:stretch/>
+        </p:blipFill>
+        <p:spPr>
+          <a:xfrm>
+            <a:off x="795014" y="5218381"/>
+            <a:ext cx="865940" cy="882214"/>
+          </a:xfrm>
+          <a:custGeom>
+            <a:avLst/>
+            <a:gdLst/>
+            <a:ahLst/>
+            <a:cxnLst/>
+            <a:rect l="l" t="t" r="r" b="b"/>
+            <a:pathLst>
+              <a:path w="2093843" h="1948070">
+                <a:moveTo>
+                  <a:pt x="0" y="0"/>
+                </a:moveTo>
+                <a:lnTo>
+                  <a:pt x="2093843" y="0"/>
+                </a:lnTo>
+                <a:lnTo>
+                  <a:pt x="2093843" y="1948070"/>
+                </a:lnTo>
+                <a:lnTo>
+                  <a:pt x="0" y="1948070"/>
+                </a:lnTo>
+                <a:close/>
+              </a:path>
+            </a:pathLst>
+          </a:custGeom>
+          <a:effectLst>
+            <a:outerShdw dist="165100" dir="2700000" algn="tl" rotWithShape="0">
+              <a:schemeClr val="tx1"/>
+            </a:outerShdw>
+          </a:effectLst>
+        </p:spPr>
+      </p:pic>
+      <p:sp>
+        <p:nvSpPr>
+          <p:cNvPr id="5" name="Rektangel 4">
+            <a:extLst>
+              <a:ext uri="{FF2B5EF4-FFF2-40B4-BE49-F238E27FC236}">
+                <a16:creationId xmlns:a16="http://schemas.microsoft.com/office/drawing/2014/main" id="{D05F18C9-8379-F579-A709-831D4A716ABC}"/>
+              </a:ext>
+            </a:extLst>
+          </p:cNvPr>
+          <p:cNvSpPr/>
+          <p:nvPr/>
+        </p:nvSpPr>
+        <p:spPr>
+          <a:xfrm>
+            <a:off x="7777655" y="2272636"/>
+            <a:ext cx="1629104" cy="544136"/>
+          </a:xfrm>
+          <a:prstGeom prst="rect">
+            <a:avLst/>
+          </a:prstGeom>
+          <a:solidFill>
+            <a:schemeClr val="bg1"/>
+          </a:solidFill>
+          <a:ln>
+            <a:solidFill>
+              <a:schemeClr val="bg1"/>
+            </a:solidFill>
+          </a:ln>
+        </p:spPr>
+        <p:style>
+          <a:lnRef idx="2">
+            <a:schemeClr val="accent1">
+              <a:shade val="15000"/>
+            </a:schemeClr>
+          </a:lnRef>
+          <a:fillRef idx="1">
+            <a:schemeClr val="accent1"/>
+          </a:fillRef>
+          <a:effectRef idx="0">
+            <a:schemeClr val="accent1"/>
+          </a:effectRef>
+          <a:fontRef idx="minor">
+            <a:schemeClr val="lt1"/>
+          </a:fontRef>
+        </p:style>
+        <p:txBody>
+          <a:bodyPr rtlCol="0" anchor="ctr"/>
+          <a:lstStyle/>
+          <a:p>
+            <a:pPr algn="ctr"/>
+            <a:endParaRPr lang="nb-NO"/>
+          </a:p>
+        </p:txBody>
+      </p:sp>
+    </p:spTree>
+    <p:extLst>
+      <p:ext uri="{BB962C8B-B14F-4D97-AF65-F5344CB8AC3E}">
+        <p14:creationId xmlns:p14="http://schemas.microsoft.com/office/powerpoint/2010/main" val="2602445720"/>
+      </p:ext>
+    </p:extLst>
+  </p:cSld>
+  <p:clrMapOvr>
+    <a:masterClrMapping/>
+  </p:clrMapOvr>
+</p:sld>
+</file>
+
 <file path=ppt/slides/slide2.xml><?xml version="1.0" encoding="utf-8"?>
 <p:sld xmlns:a="http://schemas.openxmlformats.org/drawingml/2006/main" xmlns:r="http://schemas.openxmlformats.org/officeDocument/2006/relationships" xmlns:p="http://schemas.openxmlformats.org/presentationml/2006/main">
   <p:cSld>
@@ -5638,10 +6220,57 @@
       </p:grpSpPr>
       <p:sp>
         <p:nvSpPr>
-          <p:cNvPr id="11" name="Date Placeholder 6">
-            <a:extLst>
-              <a:ext uri="{FF2B5EF4-FFF2-40B4-BE49-F238E27FC236}">
-                <a16:creationId xmlns:a16="http://schemas.microsoft.com/office/drawing/2014/main" id="{594065BC-2EF8-45E9-916B-D3BD8934E976}"/>
+          <p:cNvPr id="2" name="Tittel 1">
+            <a:extLst>
+              <a:ext uri="{FF2B5EF4-FFF2-40B4-BE49-F238E27FC236}">
+                <a16:creationId xmlns:a16="http://schemas.microsoft.com/office/drawing/2014/main" id="{9A98D8EF-FED4-F5CF-74C1-F4D938B7E06D}"/>
+              </a:ext>
+            </a:extLst>
+          </p:cNvPr>
+          <p:cNvSpPr>
+            <a:spLocks noGrp="1"/>
+          </p:cNvSpPr>
+          <p:nvPr>
+            <p:ph type="title"/>
+          </p:nvPr>
+        </p:nvSpPr>
+        <p:spPr/>
+        <p:txBody>
+          <a:bodyPr>
+            <a:normAutofit/>
+          </a:bodyPr>
+          <a:lstStyle/>
+          <a:p>
+            <a:r>
+              <a:rPr lang="nb-NO" dirty="0" err="1">
+                <a:latin typeface="Berlin Sans FB" panose="020E0602020502020306" pitchFamily="34" charset="77"/>
+              </a:rPr>
+              <a:t>Created</a:t>
+            </a:r>
+            <a:r>
+              <a:rPr lang="nb-NO" dirty="0">
+                <a:latin typeface="Berlin Sans FB" panose="020E0602020502020306" pitchFamily="34" charset="77"/>
+              </a:rPr>
+              <a:t> </a:t>
+            </a:r>
+            <a:r>
+              <a:rPr lang="nb-NO" dirty="0" err="1">
+                <a:latin typeface="Berlin Sans FB" panose="020E0602020502020306" pitchFamily="34" charset="77"/>
+              </a:rPr>
+              <a:t>tables</a:t>
+            </a:r>
+            <a:endParaRPr lang="nb-NO" dirty="0">
+              <a:latin typeface="Berlin Sans FB" panose="020E0602020502020306" pitchFamily="34" charset="77"/>
+            </a:endParaRPr>
+          </a:p>
+        </p:txBody>
+      </p:sp>
+      <p:sp>
+        <p:nvSpPr>
+          <p:cNvPr id="3" name="Date Placeholder 6">
+            <a:extLst>
+              <a:ext uri="{FF2B5EF4-FFF2-40B4-BE49-F238E27FC236}">
+                <a16:creationId xmlns:a16="http://schemas.microsoft.com/office/drawing/2014/main" id="{B35D3AE0-6D0B-5B14-EE09-EDD8BC16F740}"/>
               </a:ext>
             </a:extLst>
           </p:cNvPr>
@@ -5680,42 +6309,12 @@
           </a:p>
         </p:txBody>
       </p:sp>
-      <p:pic>
-        <p:nvPicPr>
-          <p:cNvPr id="4" name="Bilde 3" descr="Et bilde som inneholder tekst, diagram, sirkel, line&#10;&#10;Automatisk generert beskrivelse">
-            <a:extLst>
-              <a:ext uri="{FF2B5EF4-FFF2-40B4-BE49-F238E27FC236}">
-                <a16:creationId xmlns:a16="http://schemas.microsoft.com/office/drawing/2014/main" id="{0D5F9935-8A68-1900-7383-75B60D7F5363}"/>
-              </a:ext>
-            </a:extLst>
-          </p:cNvPr>
-          <p:cNvPicPr>
-            <a:picLocks noChangeAspect="1"/>
-          </p:cNvPicPr>
-          <p:nvPr/>
-        </p:nvPicPr>
-        <p:blipFill>
-          <a:blip r:embed="rId2"/>
-          <a:stretch>
-            <a:fillRect/>
-          </a:stretch>
-        </p:blipFill>
-        <p:spPr>
-          <a:xfrm>
-            <a:off x="4235967" y="182962"/>
-            <a:ext cx="7356761" cy="6341642"/>
-          </a:xfrm>
-          <a:prstGeom prst="rect">
-            <a:avLst/>
-          </a:prstGeom>
-        </p:spPr>
-      </p:pic>
-      <p:sp>
-        <p:nvSpPr>
-          <p:cNvPr id="15" name="Slide Number Placeholder 5">
-            <a:extLst>
-              <a:ext uri="{FF2B5EF4-FFF2-40B4-BE49-F238E27FC236}">
-                <a16:creationId xmlns:a16="http://schemas.microsoft.com/office/drawing/2014/main" id="{8FF1FE31-3472-411A-9443-87CAECBCB4B3}"/>
+      <p:sp>
+        <p:nvSpPr>
+          <p:cNvPr id="4" name="Slide Number Placeholder 5">
+            <a:extLst>
+              <a:ext uri="{FF2B5EF4-FFF2-40B4-BE49-F238E27FC236}">
+                <a16:creationId xmlns:a16="http://schemas.microsoft.com/office/drawing/2014/main" id="{7647BC1E-24E1-4F4D-EBEB-3430C278AB10}"/>
               </a:ext>
             </a:extLst>
           </p:cNvPr>
@@ -5754,72 +6353,12 @@
           </a:p>
         </p:txBody>
       </p:sp>
-      <p:sp>
-        <p:nvSpPr>
-          <p:cNvPr id="2" name="Tittel 1">
-            <a:extLst>
-              <a:ext uri="{FF2B5EF4-FFF2-40B4-BE49-F238E27FC236}">
-                <a16:creationId xmlns:a16="http://schemas.microsoft.com/office/drawing/2014/main" id="{F12B55D6-24B8-B497-2085-55D50C743C3B}"/>
-              </a:ext>
-            </a:extLst>
-          </p:cNvPr>
-          <p:cNvSpPr>
-            <a:spLocks noGrp="1"/>
-          </p:cNvSpPr>
-          <p:nvPr>
-            <p:ph type="ctrTitle"/>
-          </p:nvPr>
-        </p:nvSpPr>
-        <p:spPr>
-          <a:xfrm>
-            <a:off x="795014" y="2006464"/>
-            <a:ext cx="5295900" cy="2694637"/>
-          </a:xfrm>
-        </p:spPr>
-        <p:txBody>
-          <a:bodyPr anchor="b">
-            <a:normAutofit/>
-          </a:bodyPr>
-          <a:lstStyle/>
-          <a:p>
-            <a:r>
-              <a:rPr lang="nb-NO" sz="2800" dirty="0">
-                <a:latin typeface="Berlin Sans FB" panose="020E0602020502020306" pitchFamily="34" charset="77"/>
-              </a:rPr>
-              <a:t>Application </a:t>
-            </a:r>
-            <a:r>
-              <a:rPr lang="nb-NO" sz="2800" dirty="0" err="1">
-                <a:latin typeface="Berlin Sans FB" panose="020E0602020502020306" pitchFamily="34" charset="77"/>
-              </a:rPr>
-              <a:t>flow</a:t>
-            </a:r>
-            <a:r>
-              <a:rPr lang="nb-NO" sz="2800" dirty="0">
-                <a:latin typeface="Berlin Sans FB" panose="020E0602020502020306" pitchFamily="34" charset="77"/>
-              </a:rPr>
-              <a:t> </a:t>
-            </a:r>
-            <a:br>
-              <a:rPr lang="nb-NO" sz="2800" dirty="0">
-                <a:latin typeface="Berlin Sans FB" panose="020E0602020502020306" pitchFamily="34" charset="77"/>
-              </a:rPr>
-            </a:br>
-            <a:r>
-              <a:rPr lang="nb-NO" sz="2800" dirty="0">
-                <a:latin typeface="Berlin Sans FB" panose="020E0602020502020306" pitchFamily="34" charset="77"/>
-              </a:rPr>
-              <a:t>diagram</a:t>
-            </a:r>
-          </a:p>
-        </p:txBody>
-      </p:sp>
       <p:pic>
         <p:nvPicPr>
-          <p:cNvPr id="5" name="Bilde 4" descr="Et bilde som inneholder tekst, logo, symbol, Font&#10;&#10;Automatisk generert beskrivelse">
-            <a:extLst>
-              <a:ext uri="{FF2B5EF4-FFF2-40B4-BE49-F238E27FC236}">
-                <a16:creationId xmlns:a16="http://schemas.microsoft.com/office/drawing/2014/main" id="{5C4A29DB-37AB-EA8F-E553-179622A677DD}"/>
+          <p:cNvPr id="7" name="Bilde 6" descr="Et bilde som inneholder tekst, logo, symbol, Font&#10;&#10;Automatisk generert beskrivelse">
+            <a:extLst>
+              <a:ext uri="{FF2B5EF4-FFF2-40B4-BE49-F238E27FC236}">
+                <a16:creationId xmlns:a16="http://schemas.microsoft.com/office/drawing/2014/main" id="{A7C9569B-49EC-919E-6402-FF434DCFB243}"/>
               </a:ext>
             </a:extLst>
           </p:cNvPr>
@@ -5829,7 +6368,7 @@
           <p:nvPr/>
         </p:nvPicPr>
         <p:blipFill rotWithShape="1">
-          <a:blip r:embed="rId3">
+          <a:blip r:embed="rId2">
             <a:grayscl/>
           </a:blip>
           <a:srcRect l="15442" t="15982" r="7112" b="28984"/>
@@ -5871,10 +6410,100 @@
           </a:effectLst>
         </p:spPr>
       </p:pic>
+      <p:pic>
+        <p:nvPicPr>
+          <p:cNvPr id="8" name="Bilde 7" descr="Et bilde som inneholder tekst, skjermbilde, Font, line&#10;&#10;Automatisk generert beskrivelse">
+            <a:extLst>
+              <a:ext uri="{FF2B5EF4-FFF2-40B4-BE49-F238E27FC236}">
+                <a16:creationId xmlns:a16="http://schemas.microsoft.com/office/drawing/2014/main" id="{208DEACB-1887-F8CD-0C31-14C3A0B86236}"/>
+              </a:ext>
+            </a:extLst>
+          </p:cNvPr>
+          <p:cNvPicPr>
+            <a:picLocks noChangeAspect="1"/>
+          </p:cNvPicPr>
+          <p:nvPr/>
+        </p:nvPicPr>
+        <p:blipFill>
+          <a:blip r:embed="rId3"/>
+          <a:stretch>
+            <a:fillRect/>
+          </a:stretch>
+        </p:blipFill>
+        <p:spPr>
+          <a:xfrm>
+            <a:off x="795014" y="2478735"/>
+            <a:ext cx="4964655" cy="1277175"/>
+          </a:xfrm>
+          <a:prstGeom prst="rect">
+            <a:avLst/>
+          </a:prstGeom>
+        </p:spPr>
+      </p:pic>
+      <p:pic>
+        <p:nvPicPr>
+          <p:cNvPr id="20" name="Bilde 19">
+            <a:extLst>
+              <a:ext uri="{FF2B5EF4-FFF2-40B4-BE49-F238E27FC236}">
+                <a16:creationId xmlns:a16="http://schemas.microsoft.com/office/drawing/2014/main" id="{FB6AF4F7-5E8A-EEA6-2B93-E92888DAE434}"/>
+              </a:ext>
+            </a:extLst>
+          </p:cNvPr>
+          <p:cNvPicPr>
+            <a:picLocks noChangeAspect="1"/>
+          </p:cNvPicPr>
+          <p:nvPr/>
+        </p:nvPicPr>
+        <p:blipFill>
+          <a:blip r:embed="rId4"/>
+          <a:stretch>
+            <a:fillRect/>
+          </a:stretch>
+        </p:blipFill>
+        <p:spPr>
+          <a:xfrm>
+            <a:off x="588365" y="3948631"/>
+            <a:ext cx="10599481" cy="1096177"/>
+          </a:xfrm>
+          <a:prstGeom prst="rect">
+            <a:avLst/>
+          </a:prstGeom>
+        </p:spPr>
+      </p:pic>
+      <p:pic>
+        <p:nvPicPr>
+          <p:cNvPr id="21" name="Bilde 20" descr="Et bilde som inneholder tekst, skjermbilde, Font, line&#10;&#10;Automatisk generert beskrivelse">
+            <a:extLst>
+              <a:ext uri="{FF2B5EF4-FFF2-40B4-BE49-F238E27FC236}">
+                <a16:creationId xmlns:a16="http://schemas.microsoft.com/office/drawing/2014/main" id="{C46835DA-8DE5-6FFB-0635-F9BEEB9C7D37}"/>
+              </a:ext>
+            </a:extLst>
+          </p:cNvPr>
+          <p:cNvPicPr>
+            <a:picLocks noChangeAspect="1"/>
+          </p:cNvPicPr>
+          <p:nvPr/>
+        </p:nvPicPr>
+        <p:blipFill>
+          <a:blip r:embed="rId5"/>
+          <a:stretch>
+            <a:fillRect/>
+          </a:stretch>
+        </p:blipFill>
+        <p:spPr>
+          <a:xfrm>
+            <a:off x="5847485" y="2478736"/>
+            <a:ext cx="5240929" cy="1299160"/>
+          </a:xfrm>
+          <a:prstGeom prst="rect">
+            <a:avLst/>
+          </a:prstGeom>
+        </p:spPr>
+      </p:pic>
     </p:spTree>
     <p:extLst>
       <p:ext uri="{BB962C8B-B14F-4D97-AF65-F5344CB8AC3E}">
-        <p14:creationId xmlns:p14="http://schemas.microsoft.com/office/powerpoint/2010/main" val="4221485458"/>
+        <p14:creationId xmlns:p14="http://schemas.microsoft.com/office/powerpoint/2010/main" val="1579674779"/>
       </p:ext>
     </p:extLst>
   </p:cSld>
@@ -5906,7 +6535,7 @@
           <p:cNvPr id="2" name="Tittel 1">
             <a:extLst>
               <a:ext uri="{FF2B5EF4-FFF2-40B4-BE49-F238E27FC236}">
-                <a16:creationId xmlns:a16="http://schemas.microsoft.com/office/drawing/2014/main" id="{EC1F0FEB-74C1-92D9-6787-BE43F396F15B}"/>
+                <a16:creationId xmlns:a16="http://schemas.microsoft.com/office/drawing/2014/main" id="{9A98D8EF-FED4-F5CF-74C1-F4D938B7E06D}"/>
               </a:ext>
             </a:extLst>
           </p:cNvPr>
@@ -5919,42 +6548,41 @@
         </p:nvSpPr>
         <p:spPr/>
         <p:txBody>
-          <a:bodyPr/>
+          <a:bodyPr>
+            <a:normAutofit/>
+          </a:bodyPr>
           <a:lstStyle/>
           <a:p>
             <a:r>
               <a:rPr lang="nb-NO" dirty="0" err="1">
                 <a:latin typeface="Berlin Sans FB" panose="020E0602020502020306" pitchFamily="34" charset="77"/>
               </a:rPr>
-              <a:t>Mock</a:t>
+              <a:t>Created</a:t>
             </a:r>
             <a:r>
               <a:rPr lang="nb-NO" dirty="0">
                 <a:latin typeface="Berlin Sans FB" panose="020E0602020502020306" pitchFamily="34" charset="77"/>
               </a:rPr>
-              <a:t>-up </a:t>
+              <a:t> </a:t>
             </a:r>
             <a:r>
               <a:rPr lang="nb-NO" dirty="0" err="1">
                 <a:latin typeface="Berlin Sans FB" panose="020E0602020502020306" pitchFamily="34" charset="77"/>
               </a:rPr>
-              <a:t>user</a:t>
-            </a:r>
-            <a:r>
-              <a:rPr lang="nb-NO" dirty="0">
-                <a:latin typeface="Berlin Sans FB" panose="020E0602020502020306" pitchFamily="34" charset="77"/>
-              </a:rPr>
-              <a:t> screens</a:t>
-            </a:r>
-          </a:p>
-        </p:txBody>
-      </p:sp>
-      <p:sp>
-        <p:nvSpPr>
-          <p:cNvPr id="5" name="Date Placeholder 6">
-            <a:extLst>
-              <a:ext uri="{FF2B5EF4-FFF2-40B4-BE49-F238E27FC236}">
-                <a16:creationId xmlns:a16="http://schemas.microsoft.com/office/drawing/2014/main" id="{B162296C-15C7-667F-7987-D1A7186350BC}"/>
+              <a:t>tables</a:t>
+            </a:r>
+            <a:endParaRPr lang="nb-NO" dirty="0">
+              <a:latin typeface="Berlin Sans FB" panose="020E0602020502020306" pitchFamily="34" charset="77"/>
+            </a:endParaRPr>
+          </a:p>
+        </p:txBody>
+      </p:sp>
+      <p:sp>
+        <p:nvSpPr>
+          <p:cNvPr id="3" name="Date Placeholder 6">
+            <a:extLst>
+              <a:ext uri="{FF2B5EF4-FFF2-40B4-BE49-F238E27FC236}">
+                <a16:creationId xmlns:a16="http://schemas.microsoft.com/office/drawing/2014/main" id="{B35D3AE0-6D0B-5B14-EE09-EDD8BC16F740}"/>
               </a:ext>
             </a:extLst>
           </p:cNvPr>
@@ -5995,10 +6623,10 @@
       </p:sp>
       <p:sp>
         <p:nvSpPr>
-          <p:cNvPr id="6" name="Slide Number Placeholder 5">
-            <a:extLst>
-              <a:ext uri="{FF2B5EF4-FFF2-40B4-BE49-F238E27FC236}">
-                <a16:creationId xmlns:a16="http://schemas.microsoft.com/office/drawing/2014/main" id="{C3F224AC-03C2-D209-7A20-84027D30F750}"/>
+          <p:cNvPr id="4" name="Slide Number Placeholder 5">
+            <a:extLst>
+              <a:ext uri="{FF2B5EF4-FFF2-40B4-BE49-F238E27FC236}">
+                <a16:creationId xmlns:a16="http://schemas.microsoft.com/office/drawing/2014/main" id="{7647BC1E-24E1-4F4D-EBEB-3430C278AB10}"/>
               </a:ext>
             </a:extLst>
           </p:cNvPr>
@@ -6039,10 +6667,10 @@
       </p:sp>
       <p:pic>
         <p:nvPicPr>
-          <p:cNvPr id="3" name="Bilde 2" descr="Et bilde som inneholder tekst, logo, symbol, Font&#10;&#10;Automatisk generert beskrivelse">
-            <a:extLst>
-              <a:ext uri="{FF2B5EF4-FFF2-40B4-BE49-F238E27FC236}">
-                <a16:creationId xmlns:a16="http://schemas.microsoft.com/office/drawing/2014/main" id="{99ACC084-7FFA-DBAA-59DB-23AF739174BB}"/>
+          <p:cNvPr id="7" name="Bilde 6" descr="Et bilde som inneholder tekst, logo, symbol, Font&#10;&#10;Automatisk generert beskrivelse">
+            <a:extLst>
+              <a:ext uri="{FF2B5EF4-FFF2-40B4-BE49-F238E27FC236}">
+                <a16:creationId xmlns:a16="http://schemas.microsoft.com/office/drawing/2014/main" id="{A7C9569B-49EC-919E-6402-FF434DCFB243}"/>
               </a:ext>
             </a:extLst>
           </p:cNvPr>
@@ -6094,10 +6722,70 @@
           </a:effectLst>
         </p:spPr>
       </p:pic>
+      <p:pic>
+        <p:nvPicPr>
+          <p:cNvPr id="5" name="Bilde 4" descr="Et bilde som inneholder tekst, skjermbilde, Font, line&#10;&#10;Automatisk generert beskrivelse">
+            <a:extLst>
+              <a:ext uri="{FF2B5EF4-FFF2-40B4-BE49-F238E27FC236}">
+                <a16:creationId xmlns:a16="http://schemas.microsoft.com/office/drawing/2014/main" id="{A242EA8C-B742-CBD1-7A8C-F07022973EEA}"/>
+              </a:ext>
+            </a:extLst>
+          </p:cNvPr>
+          <p:cNvPicPr>
+            <a:picLocks noChangeAspect="1"/>
+          </p:cNvPicPr>
+          <p:nvPr/>
+        </p:nvPicPr>
+        <p:blipFill>
+          <a:blip r:embed="rId3"/>
+          <a:stretch>
+            <a:fillRect/>
+          </a:stretch>
+        </p:blipFill>
+        <p:spPr>
+          <a:xfrm>
+            <a:off x="1385640" y="2773931"/>
+            <a:ext cx="4621139" cy="1919727"/>
+          </a:xfrm>
+          <a:prstGeom prst="rect">
+            <a:avLst/>
+          </a:prstGeom>
+        </p:spPr>
+      </p:pic>
+      <p:pic>
+        <p:nvPicPr>
+          <p:cNvPr id="6" name="Bilde 5" descr="Et bilde som inneholder tekst, skjermbilde, Font, line&#10;&#10;Automatisk generert beskrivelse">
+            <a:extLst>
+              <a:ext uri="{FF2B5EF4-FFF2-40B4-BE49-F238E27FC236}">
+                <a16:creationId xmlns:a16="http://schemas.microsoft.com/office/drawing/2014/main" id="{4876D88C-80FD-00CB-5578-A68341217C19}"/>
+              </a:ext>
+            </a:extLst>
+          </p:cNvPr>
+          <p:cNvPicPr>
+            <a:picLocks noChangeAspect="1"/>
+          </p:cNvPicPr>
+          <p:nvPr/>
+        </p:nvPicPr>
+        <p:blipFill>
+          <a:blip r:embed="rId4"/>
+          <a:stretch>
+            <a:fillRect/>
+          </a:stretch>
+        </p:blipFill>
+        <p:spPr>
+          <a:xfrm>
+            <a:off x="6496876" y="2723890"/>
+            <a:ext cx="3424890" cy="2019807"/>
+          </a:xfrm>
+          <a:prstGeom prst="rect">
+            <a:avLst/>
+          </a:prstGeom>
+        </p:spPr>
+      </p:pic>
     </p:spTree>
     <p:extLst>
       <p:ext uri="{BB962C8B-B14F-4D97-AF65-F5344CB8AC3E}">
-        <p14:creationId xmlns:p14="http://schemas.microsoft.com/office/powerpoint/2010/main" val="3231053820"/>
+        <p14:creationId xmlns:p14="http://schemas.microsoft.com/office/powerpoint/2010/main" val="3937745871"/>
       </p:ext>
     </p:extLst>
   </p:cSld>
@@ -6124,60 +6812,42 @@
           <a:chExt cx="0" cy="0"/>
         </a:xfrm>
       </p:grpSpPr>
-      <p:sp>
-        <p:nvSpPr>
-          <p:cNvPr id="2" name="Tittel 1">
-            <a:extLst>
-              <a:ext uri="{FF2B5EF4-FFF2-40B4-BE49-F238E27FC236}">
-                <a16:creationId xmlns:a16="http://schemas.microsoft.com/office/drawing/2014/main" id="{EC1F0FEB-74C1-92D9-6787-BE43F396F15B}"/>
-              </a:ext>
-            </a:extLst>
-          </p:cNvPr>
-          <p:cNvSpPr>
-            <a:spLocks noGrp="1"/>
-          </p:cNvSpPr>
-          <p:nvPr>
-            <p:ph type="title"/>
-          </p:nvPr>
-        </p:nvSpPr>
-        <p:spPr/>
-        <p:txBody>
-          <a:bodyPr/>
-          <a:lstStyle/>
-          <a:p>
-            <a:r>
-              <a:rPr lang="nb-NO" dirty="0" err="1">
-                <a:latin typeface="Berlin Sans FB" panose="020E0602020502020306" pitchFamily="34" charset="77"/>
-              </a:rPr>
-              <a:t>Mock</a:t>
-            </a:r>
-            <a:r>
-              <a:rPr lang="nb-NO" dirty="0">
-                <a:latin typeface="Berlin Sans FB" panose="020E0602020502020306" pitchFamily="34" charset="77"/>
-              </a:rPr>
-              <a:t>-up </a:t>
-            </a:r>
-            <a:r>
-              <a:rPr lang="nb-NO" dirty="0" err="1">
-                <a:latin typeface="Berlin Sans FB" panose="020E0602020502020306" pitchFamily="34" charset="77"/>
-              </a:rPr>
-              <a:t>user</a:t>
-            </a:r>
-            <a:r>
-              <a:rPr lang="nb-NO" dirty="0">
-                <a:latin typeface="Berlin Sans FB" panose="020E0602020502020306" pitchFamily="34" charset="77"/>
-              </a:rPr>
-              <a:t> screens</a:t>
-            </a:r>
-          </a:p>
-        </p:txBody>
-      </p:sp>
-      <p:sp>
-        <p:nvSpPr>
-          <p:cNvPr id="5" name="Date Placeholder 6">
-            <a:extLst>
-              <a:ext uri="{FF2B5EF4-FFF2-40B4-BE49-F238E27FC236}">
-                <a16:creationId xmlns:a16="http://schemas.microsoft.com/office/drawing/2014/main" id="{B162296C-15C7-667F-7987-D1A7186350BC}"/>
+      <p:pic>
+        <p:nvPicPr>
+          <p:cNvPr id="6" name="Bilde 5" descr="Et bilde som inneholder diagram, tekst, line, sirkel&#10;&#10;Automatisk generert beskrivelse">
+            <a:extLst>
+              <a:ext uri="{FF2B5EF4-FFF2-40B4-BE49-F238E27FC236}">
+                <a16:creationId xmlns:a16="http://schemas.microsoft.com/office/drawing/2014/main" id="{4BC3A654-4563-892B-1DAC-6EE4083F2F36}"/>
+              </a:ext>
+            </a:extLst>
+          </p:cNvPr>
+          <p:cNvPicPr>
+            <a:picLocks noChangeAspect="1"/>
+          </p:cNvPicPr>
+          <p:nvPr/>
+        </p:nvPicPr>
+        <p:blipFill>
+          <a:blip r:embed="rId2"/>
+          <a:stretch>
+            <a:fillRect/>
+          </a:stretch>
+        </p:blipFill>
+        <p:spPr>
+          <a:xfrm>
+            <a:off x="3791893" y="41673"/>
+            <a:ext cx="7772400" cy="6665494"/>
+          </a:xfrm>
+          <a:prstGeom prst="rect">
+            <a:avLst/>
+          </a:prstGeom>
+        </p:spPr>
+      </p:pic>
+      <p:sp>
+        <p:nvSpPr>
+          <p:cNvPr id="11" name="Date Placeholder 6">
+            <a:extLst>
+              <a:ext uri="{FF2B5EF4-FFF2-40B4-BE49-F238E27FC236}">
+                <a16:creationId xmlns:a16="http://schemas.microsoft.com/office/drawing/2014/main" id="{594065BC-2EF8-45E9-916B-D3BD8934E976}"/>
               </a:ext>
             </a:extLst>
           </p:cNvPr>
@@ -6218,10 +6888,10 @@
       </p:sp>
       <p:sp>
         <p:nvSpPr>
-          <p:cNvPr id="6" name="Slide Number Placeholder 5">
-            <a:extLst>
-              <a:ext uri="{FF2B5EF4-FFF2-40B4-BE49-F238E27FC236}">
-                <a16:creationId xmlns:a16="http://schemas.microsoft.com/office/drawing/2014/main" id="{C3F224AC-03C2-D209-7A20-84027D30F750}"/>
+          <p:cNvPr id="15" name="Slide Number Placeholder 5">
+            <a:extLst>
+              <a:ext uri="{FF2B5EF4-FFF2-40B4-BE49-F238E27FC236}">
+                <a16:creationId xmlns:a16="http://schemas.microsoft.com/office/drawing/2014/main" id="{8FF1FE31-3472-411A-9443-87CAECBCB4B3}"/>
               </a:ext>
             </a:extLst>
           </p:cNvPr>
@@ -6260,12 +6930,72 @@
           </a:p>
         </p:txBody>
       </p:sp>
+      <p:sp>
+        <p:nvSpPr>
+          <p:cNvPr id="2" name="Tittel 1">
+            <a:extLst>
+              <a:ext uri="{FF2B5EF4-FFF2-40B4-BE49-F238E27FC236}">
+                <a16:creationId xmlns:a16="http://schemas.microsoft.com/office/drawing/2014/main" id="{F12B55D6-24B8-B497-2085-55D50C743C3B}"/>
+              </a:ext>
+            </a:extLst>
+          </p:cNvPr>
+          <p:cNvSpPr>
+            <a:spLocks noGrp="1"/>
+          </p:cNvSpPr>
+          <p:nvPr>
+            <p:ph type="ctrTitle"/>
+          </p:nvPr>
+        </p:nvSpPr>
+        <p:spPr>
+          <a:xfrm>
+            <a:off x="795014" y="2006464"/>
+            <a:ext cx="5295900" cy="2694637"/>
+          </a:xfrm>
+        </p:spPr>
+        <p:txBody>
+          <a:bodyPr anchor="b">
+            <a:normAutofit/>
+          </a:bodyPr>
+          <a:lstStyle/>
+          <a:p>
+            <a:r>
+              <a:rPr lang="nb-NO" sz="2800" dirty="0">
+                <a:latin typeface="Berlin Sans FB" panose="020E0602020502020306" pitchFamily="34" charset="77"/>
+              </a:rPr>
+              <a:t>Application </a:t>
+            </a:r>
+            <a:r>
+              <a:rPr lang="nb-NO" sz="2800" dirty="0" err="1">
+                <a:latin typeface="Berlin Sans FB" panose="020E0602020502020306" pitchFamily="34" charset="77"/>
+              </a:rPr>
+              <a:t>flow</a:t>
+            </a:r>
+            <a:r>
+              <a:rPr lang="nb-NO" sz="2800" dirty="0">
+                <a:latin typeface="Berlin Sans FB" panose="020E0602020502020306" pitchFamily="34" charset="77"/>
+              </a:rPr>
+              <a:t> </a:t>
+            </a:r>
+            <a:br>
+              <a:rPr lang="nb-NO" sz="2800" dirty="0">
+                <a:latin typeface="Berlin Sans FB" panose="020E0602020502020306" pitchFamily="34" charset="77"/>
+              </a:rPr>
+            </a:br>
+            <a:r>
+              <a:rPr lang="nb-NO" sz="2800" dirty="0">
+                <a:latin typeface="Berlin Sans FB" panose="020E0602020502020306" pitchFamily="34" charset="77"/>
+              </a:rPr>
+              <a:t>diagram</a:t>
+            </a:r>
+          </a:p>
+        </p:txBody>
+      </p:sp>
       <p:pic>
         <p:nvPicPr>
-          <p:cNvPr id="7" name="Bilde 6" descr="Et bilde som inneholder tekst, logo, symbol, Font&#10;&#10;Automatisk generert beskrivelse">
-            <a:extLst>
-              <a:ext uri="{FF2B5EF4-FFF2-40B4-BE49-F238E27FC236}">
-                <a16:creationId xmlns:a16="http://schemas.microsoft.com/office/drawing/2014/main" id="{BF0F5778-C054-AEE5-2B73-49802A133FC4}"/>
+          <p:cNvPr id="5" name="Bilde 4" descr="Et bilde som inneholder tekst, logo, symbol, Font&#10;&#10;Automatisk generert beskrivelse">
+            <a:extLst>
+              <a:ext uri="{FF2B5EF4-FFF2-40B4-BE49-F238E27FC236}">
+                <a16:creationId xmlns:a16="http://schemas.microsoft.com/office/drawing/2014/main" id="{5C4A29DB-37AB-EA8F-E553-179622A677DD}"/>
               </a:ext>
             </a:extLst>
           </p:cNvPr>
@@ -6275,7 +7005,7 @@
           <p:nvPr/>
         </p:nvPicPr>
         <p:blipFill rotWithShape="1">
-          <a:blip r:embed="rId2">
+          <a:blip r:embed="rId3">
             <a:grayscl/>
           </a:blip>
           <a:srcRect l="15442" t="15982" r="7112" b="28984"/>
@@ -6320,7 +7050,7 @@
     </p:spTree>
     <p:extLst>
       <p:ext uri="{BB962C8B-B14F-4D97-AF65-F5344CB8AC3E}">
-        <p14:creationId xmlns:p14="http://schemas.microsoft.com/office/powerpoint/2010/main" val="3177296856"/>
+        <p14:creationId xmlns:p14="http://schemas.microsoft.com/office/powerpoint/2010/main" val="4221485458"/>
       </p:ext>
     </p:extLst>
   </p:cSld>
@@ -6352,7 +7082,7 @@
           <p:cNvPr id="2" name="Tittel 1">
             <a:extLst>
               <a:ext uri="{FF2B5EF4-FFF2-40B4-BE49-F238E27FC236}">
-                <a16:creationId xmlns:a16="http://schemas.microsoft.com/office/drawing/2014/main" id="{9A98D8EF-FED4-F5CF-74C1-F4D938B7E06D}"/>
+                <a16:creationId xmlns:a16="http://schemas.microsoft.com/office/drawing/2014/main" id="{EC1F0FEB-74C1-92D9-6787-BE43F396F15B}"/>
               </a:ext>
             </a:extLst>
           </p:cNvPr>
@@ -6363,52 +7093,49 @@
             <p:ph type="title"/>
           </p:nvPr>
         </p:nvSpPr>
-        <p:spPr/>
-        <p:txBody>
-          <a:bodyPr>
-            <a:normAutofit fontScale="90000"/>
-          </a:bodyPr>
+        <p:spPr>
+          <a:xfrm>
+            <a:off x="795014" y="272759"/>
+            <a:ext cx="10094770" cy="1180574"/>
+          </a:xfrm>
+        </p:spPr>
+        <p:txBody>
+          <a:bodyPr/>
           <a:lstStyle/>
           <a:p>
+            <a:r>
+              <a:rPr lang="nb-NO" dirty="0" err="1">
+                <a:latin typeface="Berlin Sans FB" panose="020E0602020502020306" pitchFamily="34" charset="77"/>
+              </a:rPr>
+              <a:t>Mock</a:t>
+            </a:r>
             <a:r>
               <a:rPr lang="nb-NO" dirty="0">
                 <a:latin typeface="Berlin Sans FB" panose="020E0602020502020306" pitchFamily="34" charset="77"/>
               </a:rPr>
-              <a:t>System-</a:t>
+              <a:t>-up </a:t>
             </a:r>
             <a:r>
               <a:rPr lang="nb-NO" dirty="0" err="1">
                 <a:latin typeface="Berlin Sans FB" panose="020E0602020502020306" pitchFamily="34" charset="77"/>
               </a:rPr>
-              <a:t>specific</a:t>
+              <a:t>user</a:t>
             </a:r>
             <a:r>
               <a:rPr lang="nb-NO" dirty="0">
                 <a:latin typeface="Berlin Sans FB" panose="020E0602020502020306" pitchFamily="34" charset="77"/>
               </a:rPr>
-              <a:t> </a:t>
-            </a:r>
-            <a:r>
-              <a:rPr lang="nb-NO" dirty="0" err="1">
-                <a:latin typeface="Berlin Sans FB" panose="020E0602020502020306" pitchFamily="34" charset="77"/>
-              </a:rPr>
-              <a:t>architectural</a:t>
-            </a:r>
-            <a:r>
-              <a:rPr lang="nb-NO" dirty="0">
-                <a:latin typeface="Berlin Sans FB" panose="020E0602020502020306" pitchFamily="34" charset="77"/>
-              </a:rPr>
-              <a:t> diagram</a:t>
-            </a:r>
-          </a:p>
-        </p:txBody>
-      </p:sp>
-      <p:sp>
-        <p:nvSpPr>
-          <p:cNvPr id="3" name="Date Placeholder 6">
-            <a:extLst>
-              <a:ext uri="{FF2B5EF4-FFF2-40B4-BE49-F238E27FC236}">
-                <a16:creationId xmlns:a16="http://schemas.microsoft.com/office/drawing/2014/main" id="{B35D3AE0-6D0B-5B14-EE09-EDD8BC16F740}"/>
+              <a:t> screens</a:t>
+            </a:r>
+          </a:p>
+        </p:txBody>
+      </p:sp>
+      <p:sp>
+        <p:nvSpPr>
+          <p:cNvPr id="5" name="Date Placeholder 6">
+            <a:extLst>
+              <a:ext uri="{FF2B5EF4-FFF2-40B4-BE49-F238E27FC236}">
+                <a16:creationId xmlns:a16="http://schemas.microsoft.com/office/drawing/2014/main" id="{B162296C-15C7-667F-7987-D1A7186350BC}"/>
               </a:ext>
             </a:extLst>
           </p:cNvPr>
@@ -6449,10 +7176,10 @@
       </p:sp>
       <p:sp>
         <p:nvSpPr>
-          <p:cNvPr id="4" name="Slide Number Placeholder 5">
-            <a:extLst>
-              <a:ext uri="{FF2B5EF4-FFF2-40B4-BE49-F238E27FC236}">
-                <a16:creationId xmlns:a16="http://schemas.microsoft.com/office/drawing/2014/main" id="{7647BC1E-24E1-4F4D-EBEB-3430C278AB10}"/>
+          <p:cNvPr id="6" name="Slide Number Placeholder 5">
+            <a:extLst>
+              <a:ext uri="{FF2B5EF4-FFF2-40B4-BE49-F238E27FC236}">
+                <a16:creationId xmlns:a16="http://schemas.microsoft.com/office/drawing/2014/main" id="{C3F224AC-03C2-D209-7A20-84027D30F750}"/>
               </a:ext>
             </a:extLst>
           </p:cNvPr>
@@ -6493,40 +7220,10 @@
       </p:sp>
       <p:pic>
         <p:nvPicPr>
-          <p:cNvPr id="6" name="Bilde 5" descr="Et bilde som inneholder tekst, diagram, skjermbilde, sirkel&#10;&#10;Automatisk generert beskrivelse">
-            <a:extLst>
-              <a:ext uri="{FF2B5EF4-FFF2-40B4-BE49-F238E27FC236}">
-                <a16:creationId xmlns:a16="http://schemas.microsoft.com/office/drawing/2014/main" id="{485EE84A-1D6D-88EB-2129-034F5D4C41A8}"/>
-              </a:ext>
-            </a:extLst>
-          </p:cNvPr>
-          <p:cNvPicPr>
-            <a:picLocks noChangeAspect="1"/>
-          </p:cNvPicPr>
-          <p:nvPr/>
-        </p:nvPicPr>
-        <p:blipFill>
-          <a:blip r:embed="rId2"/>
-          <a:stretch>
-            <a:fillRect/>
-          </a:stretch>
-        </p:blipFill>
-        <p:spPr>
-          <a:xfrm>
-            <a:off x="2011243" y="2272636"/>
-            <a:ext cx="8169514" cy="4207677"/>
-          </a:xfrm>
-          <a:prstGeom prst="rect">
-            <a:avLst/>
-          </a:prstGeom>
-        </p:spPr>
-      </p:pic>
-      <p:pic>
-        <p:nvPicPr>
           <p:cNvPr id="7" name="Bilde 6" descr="Et bilde som inneholder tekst, logo, symbol, Font&#10;&#10;Automatisk generert beskrivelse">
             <a:extLst>
               <a:ext uri="{FF2B5EF4-FFF2-40B4-BE49-F238E27FC236}">
-                <a16:creationId xmlns:a16="http://schemas.microsoft.com/office/drawing/2014/main" id="{A7C9569B-49EC-919E-6402-FF434DCFB243}"/>
+                <a16:creationId xmlns:a16="http://schemas.microsoft.com/office/drawing/2014/main" id="{BF0F5778-C054-AEE5-2B73-49802A133FC4}"/>
               </a:ext>
             </a:extLst>
           </p:cNvPr>
@@ -6536,7 +7233,7 @@
           <p:nvPr/>
         </p:nvPicPr>
         <p:blipFill rotWithShape="1">
-          <a:blip r:embed="rId3">
+          <a:blip r:embed="rId2">
             <a:grayscl/>
           </a:blip>
           <a:srcRect l="15442" t="15982" r="7112" b="28984"/>
@@ -6544,7 +7241,7 @@
         </p:blipFill>
         <p:spPr>
           <a:xfrm>
-            <a:off x="795014" y="5218381"/>
+            <a:off x="1593504" y="5642390"/>
             <a:ext cx="865940" cy="882214"/>
           </a:xfrm>
           <a:custGeom>
@@ -6578,10 +7275,646 @@
           </a:effectLst>
         </p:spPr>
       </p:pic>
+      <p:pic>
+        <p:nvPicPr>
+          <p:cNvPr id="11" name="Bilde 10" descr="Et bilde som inneholder tekst, skjermbilde, Font, design&#10;&#10;Automatisk generert beskrivelse">
+            <a:extLst>
+              <a:ext uri="{FF2B5EF4-FFF2-40B4-BE49-F238E27FC236}">
+                <a16:creationId xmlns:a16="http://schemas.microsoft.com/office/drawing/2014/main" id="{474FCD3F-634C-0C80-6ECD-6DF574B938C6}"/>
+              </a:ext>
+            </a:extLst>
+          </p:cNvPr>
+          <p:cNvPicPr>
+            <a:picLocks noChangeAspect="1"/>
+          </p:cNvPicPr>
+          <p:nvPr/>
+        </p:nvPicPr>
+        <p:blipFill>
+          <a:blip r:embed="rId3"/>
+          <a:stretch>
+            <a:fillRect/>
+          </a:stretch>
+        </p:blipFill>
+        <p:spPr>
+          <a:xfrm>
+            <a:off x="5975046" y="1683427"/>
+            <a:ext cx="5191283" cy="3780000"/>
+          </a:xfrm>
+          <a:prstGeom prst="rect">
+            <a:avLst/>
+          </a:prstGeom>
+        </p:spPr>
+      </p:pic>
+      <p:pic>
+        <p:nvPicPr>
+          <p:cNvPr id="13" name="Bilde 12" descr="Et bilde som inneholder tekst, skjermbilde, Font, design&#10;&#10;Automatisk generert beskrivelse">
+            <a:extLst>
+              <a:ext uri="{FF2B5EF4-FFF2-40B4-BE49-F238E27FC236}">
+                <a16:creationId xmlns:a16="http://schemas.microsoft.com/office/drawing/2014/main" id="{CA95D91A-4654-C320-BB53-0B53392F6449}"/>
+              </a:ext>
+            </a:extLst>
+          </p:cNvPr>
+          <p:cNvPicPr>
+            <a:picLocks noChangeAspect="1"/>
+          </p:cNvPicPr>
+          <p:nvPr/>
+        </p:nvPicPr>
+        <p:blipFill>
+          <a:blip r:embed="rId4"/>
+          <a:stretch>
+            <a:fillRect/>
+          </a:stretch>
+        </p:blipFill>
+        <p:spPr>
+          <a:xfrm>
+            <a:off x="539273" y="1683427"/>
+            <a:ext cx="5186339" cy="3776400"/>
+          </a:xfrm>
+          <a:prstGeom prst="rect">
+            <a:avLst/>
+          </a:prstGeom>
+        </p:spPr>
+      </p:pic>
     </p:spTree>
     <p:extLst>
       <p:ext uri="{BB962C8B-B14F-4D97-AF65-F5344CB8AC3E}">
-        <p14:creationId xmlns:p14="http://schemas.microsoft.com/office/powerpoint/2010/main" val="2602445720"/>
+        <p14:creationId xmlns:p14="http://schemas.microsoft.com/office/powerpoint/2010/main" val="3177296856"/>
+      </p:ext>
+    </p:extLst>
+  </p:cSld>
+  <p:clrMapOvr>
+    <a:masterClrMapping/>
+  </p:clrMapOvr>
+</p:sld>
+</file>
+
+<file path=ppt/slides/slide8.xml><?xml version="1.0" encoding="utf-8"?>
+<p:sld xmlns:a="http://schemas.openxmlformats.org/drawingml/2006/main" xmlns:r="http://schemas.openxmlformats.org/officeDocument/2006/relationships" xmlns:p="http://schemas.openxmlformats.org/presentationml/2006/main">
+  <p:cSld>
+    <p:spTree>
+      <p:nvGrpSpPr>
+        <p:cNvPr id="1" name=""/>
+        <p:cNvGrpSpPr/>
+        <p:nvPr/>
+      </p:nvGrpSpPr>
+      <p:grpSpPr>
+        <a:xfrm>
+          <a:off x="0" y="0"/>
+          <a:ext cx="0" cy="0"/>
+          <a:chOff x="0" y="0"/>
+          <a:chExt cx="0" cy="0"/>
+        </a:xfrm>
+      </p:grpSpPr>
+      <p:sp>
+        <p:nvSpPr>
+          <p:cNvPr id="2" name="Tittel 1">
+            <a:extLst>
+              <a:ext uri="{FF2B5EF4-FFF2-40B4-BE49-F238E27FC236}">
+                <a16:creationId xmlns:a16="http://schemas.microsoft.com/office/drawing/2014/main" id="{EC1F0FEB-74C1-92D9-6787-BE43F396F15B}"/>
+              </a:ext>
+            </a:extLst>
+          </p:cNvPr>
+          <p:cNvSpPr>
+            <a:spLocks noGrp="1"/>
+          </p:cNvSpPr>
+          <p:nvPr>
+            <p:ph type="title"/>
+          </p:nvPr>
+        </p:nvSpPr>
+        <p:spPr>
+          <a:xfrm>
+            <a:off x="795014" y="272759"/>
+            <a:ext cx="10094770" cy="1180574"/>
+          </a:xfrm>
+        </p:spPr>
+        <p:txBody>
+          <a:bodyPr/>
+          <a:lstStyle/>
+          <a:p>
+            <a:r>
+              <a:rPr lang="nb-NO" dirty="0" err="1">
+                <a:latin typeface="Berlin Sans FB" panose="020E0602020502020306" pitchFamily="34" charset="77"/>
+              </a:rPr>
+              <a:t>Mock</a:t>
+            </a:r>
+            <a:r>
+              <a:rPr lang="nb-NO" dirty="0">
+                <a:latin typeface="Berlin Sans FB" panose="020E0602020502020306" pitchFamily="34" charset="77"/>
+              </a:rPr>
+              <a:t>-up </a:t>
+            </a:r>
+            <a:r>
+              <a:rPr lang="nb-NO" dirty="0" err="1">
+                <a:latin typeface="Berlin Sans FB" panose="020E0602020502020306" pitchFamily="34" charset="77"/>
+              </a:rPr>
+              <a:t>user</a:t>
+            </a:r>
+            <a:r>
+              <a:rPr lang="nb-NO" dirty="0">
+                <a:latin typeface="Berlin Sans FB" panose="020E0602020502020306" pitchFamily="34" charset="77"/>
+              </a:rPr>
+              <a:t> screens</a:t>
+            </a:r>
+          </a:p>
+        </p:txBody>
+      </p:sp>
+      <p:sp>
+        <p:nvSpPr>
+          <p:cNvPr id="5" name="Date Placeholder 6">
+            <a:extLst>
+              <a:ext uri="{FF2B5EF4-FFF2-40B4-BE49-F238E27FC236}">
+                <a16:creationId xmlns:a16="http://schemas.microsoft.com/office/drawing/2014/main" id="{B162296C-15C7-667F-7987-D1A7186350BC}"/>
+              </a:ext>
+            </a:extLst>
+          </p:cNvPr>
+          <p:cNvSpPr>
+            <a:spLocks noGrp="1"/>
+          </p:cNvSpPr>
+          <p:nvPr>
+            <p:ph type="dt" sz="half" idx="10"/>
+          </p:nvPr>
+        </p:nvSpPr>
+        <p:spPr>
+          <a:xfrm>
+            <a:off x="795014" y="6342042"/>
+            <a:ext cx="2743200" cy="365125"/>
+          </a:xfrm>
+        </p:spPr>
+        <p:txBody>
+          <a:bodyPr/>
+          <a:lstStyle/>
+          <a:p>
+            <a:pPr>
+              <a:spcAft>
+                <a:spcPts val="600"/>
+              </a:spcAft>
+            </a:pPr>
+            <a:fld id="{C4BD803F-B192-4797-B35D-A6564FE54930}" type="datetime1">
+              <a:rPr lang="en-US" smtClean="0"/>
+              <a:pPr>
+                <a:spcAft>
+                  <a:spcPts val="600"/>
+                </a:spcAft>
+              </a:pPr>
+              <a:t>9/18/23</a:t>
+            </a:fld>
+            <a:endParaRPr lang="en-US" dirty="0"/>
+          </a:p>
+        </p:txBody>
+      </p:sp>
+      <p:sp>
+        <p:nvSpPr>
+          <p:cNvPr id="6" name="Slide Number Placeholder 5">
+            <a:extLst>
+              <a:ext uri="{FF2B5EF4-FFF2-40B4-BE49-F238E27FC236}">
+                <a16:creationId xmlns:a16="http://schemas.microsoft.com/office/drawing/2014/main" id="{C3F224AC-03C2-D209-7A20-84027D30F750}"/>
+              </a:ext>
+            </a:extLst>
+          </p:cNvPr>
+          <p:cNvSpPr>
+            <a:spLocks noGrp="1"/>
+          </p:cNvSpPr>
+          <p:nvPr>
+            <p:ph type="sldNum" sz="quarter" idx="12"/>
+          </p:nvPr>
+        </p:nvSpPr>
+        <p:spPr>
+          <a:xfrm>
+            <a:off x="11166329" y="6342042"/>
+            <a:ext cx="526228" cy="365125"/>
+          </a:xfrm>
+        </p:spPr>
+        <p:txBody>
+          <a:bodyPr/>
+          <a:lstStyle/>
+          <a:p>
+            <a:pPr>
+              <a:spcAft>
+                <a:spcPts val="600"/>
+              </a:spcAft>
+            </a:pPr>
+            <a:fld id="{1B0A0659-E443-491A-A36E-EC2EE49C5850}" type="slidenum">
+              <a:rPr lang="en-US" smtClean="0"/>
+              <a:pPr>
+                <a:spcAft>
+                  <a:spcPts val="600"/>
+                </a:spcAft>
+              </a:pPr>
+              <a:t>8</a:t>
+            </a:fld>
+            <a:endParaRPr lang="en-US"/>
+          </a:p>
+        </p:txBody>
+      </p:sp>
+      <p:pic>
+        <p:nvPicPr>
+          <p:cNvPr id="7" name="Bilde 6" descr="Et bilde som inneholder tekst, logo, symbol, Font&#10;&#10;Automatisk generert beskrivelse">
+            <a:extLst>
+              <a:ext uri="{FF2B5EF4-FFF2-40B4-BE49-F238E27FC236}">
+                <a16:creationId xmlns:a16="http://schemas.microsoft.com/office/drawing/2014/main" id="{BF0F5778-C054-AEE5-2B73-49802A133FC4}"/>
+              </a:ext>
+            </a:extLst>
+          </p:cNvPr>
+          <p:cNvPicPr>
+            <a:picLocks noChangeAspect="1"/>
+          </p:cNvPicPr>
+          <p:nvPr/>
+        </p:nvPicPr>
+        <p:blipFill rotWithShape="1">
+          <a:blip r:embed="rId2">
+            <a:grayscl/>
+          </a:blip>
+          <a:srcRect l="15442" t="15982" r="7112" b="28984"/>
+          <a:stretch/>
+        </p:blipFill>
+        <p:spPr>
+          <a:xfrm>
+            <a:off x="1593504" y="5642390"/>
+            <a:ext cx="865940" cy="882214"/>
+          </a:xfrm>
+          <a:custGeom>
+            <a:avLst/>
+            <a:gdLst/>
+            <a:ahLst/>
+            <a:cxnLst/>
+            <a:rect l="l" t="t" r="r" b="b"/>
+            <a:pathLst>
+              <a:path w="2093843" h="1948070">
+                <a:moveTo>
+                  <a:pt x="0" y="0"/>
+                </a:moveTo>
+                <a:lnTo>
+                  <a:pt x="2093843" y="0"/>
+                </a:lnTo>
+                <a:lnTo>
+                  <a:pt x="2093843" y="1948070"/>
+                </a:lnTo>
+                <a:lnTo>
+                  <a:pt x="0" y="1948070"/>
+                </a:lnTo>
+                <a:close/>
+              </a:path>
+            </a:pathLst>
+          </a:custGeom>
+          <a:effectLst>
+            <a:outerShdw dist="165100" dir="2700000" algn="tl" rotWithShape="0">
+              <a:schemeClr val="tx1"/>
+            </a:outerShdw>
+          </a:effectLst>
+        </p:spPr>
+      </p:pic>
+      <p:pic>
+        <p:nvPicPr>
+          <p:cNvPr id="4" name="Bilde 3" descr="Et bilde som inneholder tekst, skjermbilde, programvare, multimedia&#10;&#10;Automatisk generert beskrivelse">
+            <a:extLst>
+              <a:ext uri="{FF2B5EF4-FFF2-40B4-BE49-F238E27FC236}">
+                <a16:creationId xmlns:a16="http://schemas.microsoft.com/office/drawing/2014/main" id="{FE802F29-8BBA-A340-8299-53FDE2D837AB}"/>
+              </a:ext>
+            </a:extLst>
+          </p:cNvPr>
+          <p:cNvPicPr>
+            <a:picLocks noChangeAspect="1"/>
+          </p:cNvPicPr>
+          <p:nvPr/>
+        </p:nvPicPr>
+        <p:blipFill>
+          <a:blip r:embed="rId3"/>
+          <a:stretch>
+            <a:fillRect/>
+          </a:stretch>
+        </p:blipFill>
+        <p:spPr>
+          <a:xfrm>
+            <a:off x="656060" y="1685227"/>
+            <a:ext cx="5186339" cy="3776400"/>
+          </a:xfrm>
+          <a:prstGeom prst="rect">
+            <a:avLst/>
+          </a:prstGeom>
+        </p:spPr>
+      </p:pic>
+      <p:pic>
+        <p:nvPicPr>
+          <p:cNvPr id="9" name="Bilde 8" descr="Et bilde som inneholder tekst, skjermbilde, multimedia, design&#10;&#10;Automatisk generert beskrivelse">
+            <a:extLst>
+              <a:ext uri="{FF2B5EF4-FFF2-40B4-BE49-F238E27FC236}">
+                <a16:creationId xmlns:a16="http://schemas.microsoft.com/office/drawing/2014/main" id="{975AA222-A8E0-3CBA-2FA5-5213C7A26739}"/>
+              </a:ext>
+            </a:extLst>
+          </p:cNvPr>
+          <p:cNvPicPr>
+            <a:picLocks noChangeAspect="1"/>
+          </p:cNvPicPr>
+          <p:nvPr/>
+        </p:nvPicPr>
+        <p:blipFill>
+          <a:blip r:embed="rId4"/>
+          <a:stretch>
+            <a:fillRect/>
+          </a:stretch>
+        </p:blipFill>
+        <p:spPr>
+          <a:xfrm>
+            <a:off x="6096000" y="1685227"/>
+            <a:ext cx="5186339" cy="3776400"/>
+          </a:xfrm>
+          <a:prstGeom prst="rect">
+            <a:avLst/>
+          </a:prstGeom>
+        </p:spPr>
+      </p:pic>
+    </p:spTree>
+    <p:extLst>
+      <p:ext uri="{BB962C8B-B14F-4D97-AF65-F5344CB8AC3E}">
+        <p14:creationId xmlns:p14="http://schemas.microsoft.com/office/powerpoint/2010/main" val="3092184942"/>
+      </p:ext>
+    </p:extLst>
+  </p:cSld>
+  <p:clrMapOvr>
+    <a:masterClrMapping/>
+  </p:clrMapOvr>
+</p:sld>
+</file>
+
+<file path=ppt/slides/slide9.xml><?xml version="1.0" encoding="utf-8"?>
+<p:sld xmlns:a="http://schemas.openxmlformats.org/drawingml/2006/main" xmlns:r="http://schemas.openxmlformats.org/officeDocument/2006/relationships" xmlns:p="http://schemas.openxmlformats.org/presentationml/2006/main">
+  <p:cSld>
+    <p:spTree>
+      <p:nvGrpSpPr>
+        <p:cNvPr id="1" name=""/>
+        <p:cNvGrpSpPr/>
+        <p:nvPr/>
+      </p:nvGrpSpPr>
+      <p:grpSpPr>
+        <a:xfrm>
+          <a:off x="0" y="0"/>
+          <a:ext cx="0" cy="0"/>
+          <a:chOff x="0" y="0"/>
+          <a:chExt cx="0" cy="0"/>
+        </a:xfrm>
+      </p:grpSpPr>
+      <p:sp>
+        <p:nvSpPr>
+          <p:cNvPr id="2" name="Tittel 1">
+            <a:extLst>
+              <a:ext uri="{FF2B5EF4-FFF2-40B4-BE49-F238E27FC236}">
+                <a16:creationId xmlns:a16="http://schemas.microsoft.com/office/drawing/2014/main" id="{EC1F0FEB-74C1-92D9-6787-BE43F396F15B}"/>
+              </a:ext>
+            </a:extLst>
+          </p:cNvPr>
+          <p:cNvSpPr>
+            <a:spLocks noGrp="1"/>
+          </p:cNvSpPr>
+          <p:nvPr>
+            <p:ph type="title"/>
+          </p:nvPr>
+        </p:nvSpPr>
+        <p:spPr>
+          <a:xfrm>
+            <a:off x="795014" y="272759"/>
+            <a:ext cx="10094770" cy="1180574"/>
+          </a:xfrm>
+        </p:spPr>
+        <p:txBody>
+          <a:bodyPr/>
+          <a:lstStyle/>
+          <a:p>
+            <a:r>
+              <a:rPr lang="nb-NO" dirty="0" err="1">
+                <a:latin typeface="Berlin Sans FB" panose="020E0602020502020306" pitchFamily="34" charset="77"/>
+              </a:rPr>
+              <a:t>Mock</a:t>
+            </a:r>
+            <a:r>
+              <a:rPr lang="nb-NO" dirty="0">
+                <a:latin typeface="Berlin Sans FB" panose="020E0602020502020306" pitchFamily="34" charset="77"/>
+              </a:rPr>
+              <a:t>-up </a:t>
+            </a:r>
+            <a:r>
+              <a:rPr lang="nb-NO" dirty="0" err="1">
+                <a:latin typeface="Berlin Sans FB" panose="020E0602020502020306" pitchFamily="34" charset="77"/>
+              </a:rPr>
+              <a:t>user</a:t>
+            </a:r>
+            <a:r>
+              <a:rPr lang="nb-NO" dirty="0">
+                <a:latin typeface="Berlin Sans FB" panose="020E0602020502020306" pitchFamily="34" charset="77"/>
+              </a:rPr>
+              <a:t> screens</a:t>
+            </a:r>
+          </a:p>
+        </p:txBody>
+      </p:sp>
+      <p:sp>
+        <p:nvSpPr>
+          <p:cNvPr id="5" name="Date Placeholder 6">
+            <a:extLst>
+              <a:ext uri="{FF2B5EF4-FFF2-40B4-BE49-F238E27FC236}">
+                <a16:creationId xmlns:a16="http://schemas.microsoft.com/office/drawing/2014/main" id="{B162296C-15C7-667F-7987-D1A7186350BC}"/>
+              </a:ext>
+            </a:extLst>
+          </p:cNvPr>
+          <p:cNvSpPr>
+            <a:spLocks noGrp="1"/>
+          </p:cNvSpPr>
+          <p:nvPr>
+            <p:ph type="dt" sz="half" idx="10"/>
+          </p:nvPr>
+        </p:nvSpPr>
+        <p:spPr>
+          <a:xfrm>
+            <a:off x="795014" y="6342042"/>
+            <a:ext cx="2743200" cy="365125"/>
+          </a:xfrm>
+        </p:spPr>
+        <p:txBody>
+          <a:bodyPr/>
+          <a:lstStyle/>
+          <a:p>
+            <a:pPr>
+              <a:spcAft>
+                <a:spcPts val="600"/>
+              </a:spcAft>
+            </a:pPr>
+            <a:fld id="{C4BD803F-B192-4797-B35D-A6564FE54930}" type="datetime1">
+              <a:rPr lang="en-US" smtClean="0"/>
+              <a:pPr>
+                <a:spcAft>
+                  <a:spcPts val="600"/>
+                </a:spcAft>
+              </a:pPr>
+              <a:t>9/18/23</a:t>
+            </a:fld>
+            <a:endParaRPr lang="en-US" dirty="0"/>
+          </a:p>
+        </p:txBody>
+      </p:sp>
+      <p:sp>
+        <p:nvSpPr>
+          <p:cNvPr id="6" name="Slide Number Placeholder 5">
+            <a:extLst>
+              <a:ext uri="{FF2B5EF4-FFF2-40B4-BE49-F238E27FC236}">
+                <a16:creationId xmlns:a16="http://schemas.microsoft.com/office/drawing/2014/main" id="{C3F224AC-03C2-D209-7A20-84027D30F750}"/>
+              </a:ext>
+            </a:extLst>
+          </p:cNvPr>
+          <p:cNvSpPr>
+            <a:spLocks noGrp="1"/>
+          </p:cNvSpPr>
+          <p:nvPr>
+            <p:ph type="sldNum" sz="quarter" idx="12"/>
+          </p:nvPr>
+        </p:nvSpPr>
+        <p:spPr>
+          <a:xfrm>
+            <a:off x="11166329" y="6342042"/>
+            <a:ext cx="526228" cy="365125"/>
+          </a:xfrm>
+        </p:spPr>
+        <p:txBody>
+          <a:bodyPr/>
+          <a:lstStyle/>
+          <a:p>
+            <a:pPr>
+              <a:spcAft>
+                <a:spcPts val="600"/>
+              </a:spcAft>
+            </a:pPr>
+            <a:fld id="{1B0A0659-E443-491A-A36E-EC2EE49C5850}" type="slidenum">
+              <a:rPr lang="en-US" smtClean="0"/>
+              <a:pPr>
+                <a:spcAft>
+                  <a:spcPts val="600"/>
+                </a:spcAft>
+              </a:pPr>
+              <a:t>9</a:t>
+            </a:fld>
+            <a:endParaRPr lang="en-US"/>
+          </a:p>
+        </p:txBody>
+      </p:sp>
+      <p:pic>
+        <p:nvPicPr>
+          <p:cNvPr id="7" name="Bilde 6" descr="Et bilde som inneholder tekst, logo, symbol, Font&#10;&#10;Automatisk generert beskrivelse">
+            <a:extLst>
+              <a:ext uri="{FF2B5EF4-FFF2-40B4-BE49-F238E27FC236}">
+                <a16:creationId xmlns:a16="http://schemas.microsoft.com/office/drawing/2014/main" id="{BF0F5778-C054-AEE5-2B73-49802A133FC4}"/>
+              </a:ext>
+            </a:extLst>
+          </p:cNvPr>
+          <p:cNvPicPr>
+            <a:picLocks noChangeAspect="1"/>
+          </p:cNvPicPr>
+          <p:nvPr/>
+        </p:nvPicPr>
+        <p:blipFill rotWithShape="1">
+          <a:blip r:embed="rId2">
+            <a:grayscl/>
+          </a:blip>
+          <a:srcRect l="15442" t="15982" r="7112" b="28984"/>
+          <a:stretch/>
+        </p:blipFill>
+        <p:spPr>
+          <a:xfrm>
+            <a:off x="1593504" y="5642390"/>
+            <a:ext cx="865940" cy="882214"/>
+          </a:xfrm>
+          <a:custGeom>
+            <a:avLst/>
+            <a:gdLst/>
+            <a:ahLst/>
+            <a:cxnLst/>
+            <a:rect l="l" t="t" r="r" b="b"/>
+            <a:pathLst>
+              <a:path w="2093843" h="1948070">
+                <a:moveTo>
+                  <a:pt x="0" y="0"/>
+                </a:moveTo>
+                <a:lnTo>
+                  <a:pt x="2093843" y="0"/>
+                </a:lnTo>
+                <a:lnTo>
+                  <a:pt x="2093843" y="1948070"/>
+                </a:lnTo>
+                <a:lnTo>
+                  <a:pt x="0" y="1948070"/>
+                </a:lnTo>
+                <a:close/>
+              </a:path>
+            </a:pathLst>
+          </a:custGeom>
+          <a:effectLst>
+            <a:outerShdw dist="165100" dir="2700000" algn="tl" rotWithShape="0">
+              <a:schemeClr val="tx1"/>
+            </a:outerShdw>
+          </a:effectLst>
+        </p:spPr>
+      </p:pic>
+      <p:pic>
+        <p:nvPicPr>
+          <p:cNvPr id="4" name="Bilde 3" descr="Et bilde som inneholder tekst, skjermbilde, multimedia, Operativsystem&#10;&#10;Automatisk generert beskrivelse">
+            <a:extLst>
+              <a:ext uri="{FF2B5EF4-FFF2-40B4-BE49-F238E27FC236}">
+                <a16:creationId xmlns:a16="http://schemas.microsoft.com/office/drawing/2014/main" id="{34EB2EDA-A8C8-425E-62EC-EA1C657BB25A}"/>
+              </a:ext>
+            </a:extLst>
+          </p:cNvPr>
+          <p:cNvPicPr>
+            <a:picLocks noChangeAspect="1"/>
+          </p:cNvPicPr>
+          <p:nvPr/>
+        </p:nvPicPr>
+        <p:blipFill>
+          <a:blip r:embed="rId3"/>
+          <a:stretch>
+            <a:fillRect/>
+          </a:stretch>
+        </p:blipFill>
+        <p:spPr>
+          <a:xfrm>
+            <a:off x="656060" y="1685227"/>
+            <a:ext cx="5186339" cy="3776400"/>
+          </a:xfrm>
+          <a:prstGeom prst="rect">
+            <a:avLst/>
+          </a:prstGeom>
+        </p:spPr>
+      </p:pic>
+      <p:pic>
+        <p:nvPicPr>
+          <p:cNvPr id="9" name="Bilde 8" descr="Et bilde som inneholder tekst, skjermbilde, Font, nummer&#10;&#10;Automatisk generert beskrivelse">
+            <a:extLst>
+              <a:ext uri="{FF2B5EF4-FFF2-40B4-BE49-F238E27FC236}">
+                <a16:creationId xmlns:a16="http://schemas.microsoft.com/office/drawing/2014/main" id="{00B914F1-CB4D-6479-530A-6557CEE90DF8}"/>
+              </a:ext>
+            </a:extLst>
+          </p:cNvPr>
+          <p:cNvPicPr>
+            <a:picLocks noChangeAspect="1"/>
+          </p:cNvPicPr>
+          <p:nvPr/>
+        </p:nvPicPr>
+        <p:blipFill>
+          <a:blip r:embed="rId4"/>
+          <a:stretch>
+            <a:fillRect/>
+          </a:stretch>
+        </p:blipFill>
+        <p:spPr>
+          <a:xfrm>
+            <a:off x="6096000" y="1685227"/>
+            <a:ext cx="5186339" cy="3776400"/>
+          </a:xfrm>
+          <a:prstGeom prst="rect">
+            <a:avLst/>
+          </a:prstGeom>
+        </p:spPr>
+      </p:pic>
+    </p:spTree>
+    <p:extLst>
+      <p:ext uri="{BB962C8B-B14F-4D97-AF65-F5344CB8AC3E}">
+        <p14:creationId xmlns:p14="http://schemas.microsoft.com/office/powerpoint/2010/main" val="3998600359"/>
       </p:ext>
     </p:extLst>
   </p:cSld>
